--- a/MovieAPI.pptx
+++ b/MovieAPI.pptx
@@ -15,6 +15,7 @@
     <p:sldId id="256" r:id="rId9"/>
     <p:sldId id="257" r:id="rId10"/>
     <p:sldId id="258" r:id="rId11"/>
+    <p:sldId id="267" r:id="rId12"/>
   </p:sldIdLst>
   <p:sldSz cx="12192000" cy="6858000"/>
   <p:notesSz cx="6858000" cy="9144000"/>
@@ -124,13 +125,61 @@
 <file path=ppt/revisionInfo.xml><?xml version="1.0" encoding="utf-8"?>
 <p1510:revInfo xmlns:a="http://schemas.openxmlformats.org/drawingml/2006/main" xmlns:r="http://schemas.openxmlformats.org/officeDocument/2006/relationships" xmlns:p1510="http://schemas.microsoft.com/office/powerpoint/2015/10/main">
   <p1510:revLst>
-    <p1510:client id="{A3C93318-F9C9-4907-83F7-4B07072AAA3F}" v="35" dt="2023-09-29T21:35:33.657"/>
+    <p1510:client id="{D8397447-5CF8-4F6E-BD36-0190B1125924}" v="1" dt="2023-11-08T18:19:30.532"/>
   </p1510:revLst>
 </p1510:revInfo>
 </file>
 
 <file path=ppt/changesInfos/changesInfo1.xml><?xml version="1.0" encoding="utf-8"?>
 <pc:chgInfo xmlns:a="http://schemas.openxmlformats.org/drawingml/2006/main" xmlns:r="http://schemas.openxmlformats.org/officeDocument/2006/relationships" xmlns:ac="http://schemas.microsoft.com/office/drawing/2013/main/command" xmlns:pc="http://schemas.microsoft.com/office/powerpoint/2013/main/command">
+  <pc:docChgLst>
+    <pc:chgData name="Amardeep, G (Gupta)" userId="0a5b23fe-5dd3-4ad7-b557-09e5dd114773" providerId="ADAL" clId="{D8397447-5CF8-4F6E-BD36-0190B1125924}"/>
+    <pc:docChg chg="undo custSel addSld modSld">
+      <pc:chgData name="Amardeep, G (Gupta)" userId="0a5b23fe-5dd3-4ad7-b557-09e5dd114773" providerId="ADAL" clId="{D8397447-5CF8-4F6E-BD36-0190B1125924}" dt="2023-11-08T18:21:36.259" v="403" actId="20577"/>
+      <pc:docMkLst>
+        <pc:docMk/>
+      </pc:docMkLst>
+      <pc:sldChg chg="addSp delSp modSp new mod">
+        <pc:chgData name="Amardeep, G (Gupta)" userId="0a5b23fe-5dd3-4ad7-b557-09e5dd114773" providerId="ADAL" clId="{D8397447-5CF8-4F6E-BD36-0190B1125924}" dt="2023-11-08T18:21:36.259" v="403" actId="20577"/>
+        <pc:sldMkLst>
+          <pc:docMk/>
+          <pc:sldMk cId="433516185" sldId="267"/>
+        </pc:sldMkLst>
+        <pc:spChg chg="add mod">
+          <ac:chgData name="Amardeep, G (Gupta)" userId="0a5b23fe-5dd3-4ad7-b557-09e5dd114773" providerId="ADAL" clId="{D8397447-5CF8-4F6E-BD36-0190B1125924}" dt="2023-11-08T18:21:36.259" v="403" actId="20577"/>
+          <ac:spMkLst>
+            <pc:docMk/>
+            <pc:sldMk cId="433516185" sldId="267"/>
+            <ac:spMk id="5" creationId="{4519080B-804C-4675-E2DC-DA2BAECAB336}"/>
+          </ac:spMkLst>
+        </pc:spChg>
+        <pc:picChg chg="add del">
+          <ac:chgData name="Amardeep, G (Gupta)" userId="0a5b23fe-5dd3-4ad7-b557-09e5dd114773" providerId="ADAL" clId="{D8397447-5CF8-4F6E-BD36-0190B1125924}" dt="2023-11-08T18:13:32.737" v="2" actId="22"/>
+          <ac:picMkLst>
+            <pc:docMk/>
+            <pc:sldMk cId="433516185" sldId="267"/>
+            <ac:picMk id="3" creationId="{14133471-F866-1B35-C530-DDAB71E17FF7}"/>
+          </ac:picMkLst>
+        </pc:picChg>
+        <pc:picChg chg="add del mod">
+          <ac:chgData name="Amardeep, G (Gupta)" userId="0a5b23fe-5dd3-4ad7-b557-09e5dd114773" providerId="ADAL" clId="{D8397447-5CF8-4F6E-BD36-0190B1125924}" dt="2023-11-08T18:15:22.496" v="15" actId="478"/>
+          <ac:picMkLst>
+            <pc:docMk/>
+            <pc:sldMk cId="433516185" sldId="267"/>
+            <ac:picMk id="7" creationId="{B850A68B-C75E-9081-D1B8-F2D1298B0C3B}"/>
+          </ac:picMkLst>
+        </pc:picChg>
+        <pc:picChg chg="add mod">
+          <ac:chgData name="Amardeep, G (Gupta)" userId="0a5b23fe-5dd3-4ad7-b557-09e5dd114773" providerId="ADAL" clId="{D8397447-5CF8-4F6E-BD36-0190B1125924}" dt="2023-11-08T18:16:08.772" v="23" actId="1076"/>
+          <ac:picMkLst>
+            <pc:docMk/>
+            <pc:sldMk cId="433516185" sldId="267"/>
+            <ac:picMk id="9" creationId="{447D1DE5-4EC8-8F04-00C2-EE7BF6A02577}"/>
+          </ac:picMkLst>
+        </pc:picChg>
+      </pc:sldChg>
+    </pc:docChg>
+  </pc:docChgLst>
   <pc:docChgLst>
     <pc:chgData name="Amardeep, G (Gupta)" userId="0a5b23fe-5dd3-4ad7-b557-09e5dd114773" providerId="ADAL" clId="{A3C93318-F9C9-4907-83F7-4B07072AAA3F}"/>
     <pc:docChg chg="undo custSel addSld modSld">
@@ -6665,6 +6714,314 @@
 </p:sld>
 </file>
 
+<file path=ppt/slides/slide11.xml><?xml version="1.0" encoding="utf-8"?>
+<p:sld xmlns:a="http://schemas.openxmlformats.org/drawingml/2006/main" xmlns:r="http://schemas.openxmlformats.org/officeDocument/2006/relationships" xmlns:p="http://schemas.openxmlformats.org/presentationml/2006/main">
+  <p:cSld>
+    <p:spTree>
+      <p:nvGrpSpPr>
+        <p:cNvPr id="1" name=""/>
+        <p:cNvGrpSpPr/>
+        <p:nvPr/>
+      </p:nvGrpSpPr>
+      <p:grpSpPr>
+        <a:xfrm>
+          <a:off x="0" y="0"/>
+          <a:ext cx="0" cy="0"/>
+          <a:chOff x="0" y="0"/>
+          <a:chExt cx="0" cy="0"/>
+        </a:xfrm>
+      </p:grpSpPr>
+      <p:sp>
+        <p:nvSpPr>
+          <p:cNvPr id="5" name="TextBox 4">
+            <a:extLst>
+              <a:ext uri="{FF2B5EF4-FFF2-40B4-BE49-F238E27FC236}">
+                <a16:creationId xmlns:a16="http://schemas.microsoft.com/office/drawing/2014/main" id="{4519080B-804C-4675-E2DC-DA2BAECAB336}"/>
+              </a:ext>
+            </a:extLst>
+          </p:cNvPr>
+          <p:cNvSpPr txBox="1"/>
+          <p:nvPr/>
+        </p:nvSpPr>
+        <p:spPr>
+          <a:xfrm>
+            <a:off x="423940" y="218113"/>
+            <a:ext cx="11344119" cy="4308872"/>
+          </a:xfrm>
+          <a:prstGeom prst="rect">
+            <a:avLst/>
+          </a:prstGeom>
+          <a:noFill/>
+        </p:spPr>
+        <p:txBody>
+          <a:bodyPr wrap="square">
+            <a:spAutoFit/>
+          </a:bodyPr>
+          <a:lstStyle/>
+          <a:p>
+            <a:pPr marL="0" indent="0">
+              <a:buNone/>
+            </a:pPr>
+            <a:endParaRPr lang="en-GB" sz="1800" dirty="0">
+              <a:solidFill>
+                <a:srgbClr val="202124"/>
+              </a:solidFill>
+              <a:latin typeface="Google Sans"/>
+            </a:endParaRPr>
+          </a:p>
+          <a:p>
+            <a:pPr marL="0" indent="0">
+              <a:buNone/>
+            </a:pPr>
+            <a:r>
+              <a:rPr lang="en-GB" sz="1800" b="1" dirty="0"/>
+              <a:t>DB : </a:t>
+            </a:r>
+            <a:r>
+              <a:rPr lang="en-GB" sz="1400" dirty="0"/>
+              <a:t>As I mentioned I have used H2 database in file mode so it can be access only when application is up. However, data will not lose if application will stop as I used file mode. It can be access with following URL : </a:t>
+            </a:r>
+            <a:r>
+              <a:rPr lang="en-GB" sz="1400" dirty="0">
+                <a:hlinkClick r:id="rId2"/>
+              </a:rPr>
+              <a:t>http://localhost:8080/h2-console/login.jsp</a:t>
+            </a:r>
+            <a:endParaRPr lang="en-GB" sz="1400" dirty="0"/>
+          </a:p>
+          <a:p>
+            <a:pPr marL="0" indent="0">
+              <a:buNone/>
+            </a:pPr>
+            <a:r>
+              <a:rPr lang="en-GB" sz="1400" dirty="0"/>
+              <a:t>In </a:t>
+            </a:r>
+            <a:r>
+              <a:rPr lang="en-GB" sz="1400" b="0" i="0" u="none" strike="noStrike" dirty="0">
+                <a:solidFill>
+                  <a:srgbClr val="0000FF"/>
+                </a:solidFill>
+                <a:effectLst/>
+                <a:latin typeface="Arial" panose="020B0604020202020204" pitchFamily="34" charset="0"/>
+                <a:hlinkClick r:id="rId3"/>
+              </a:rPr>
+              <a:t>JDBC URL</a:t>
+            </a:r>
+            <a:r>
+              <a:rPr lang="en-GB" sz="1400" b="0" i="0" dirty="0">
+                <a:solidFill>
+                  <a:srgbClr val="000000"/>
+                </a:solidFill>
+                <a:effectLst/>
+                <a:latin typeface="Arial" panose="020B0604020202020204" pitchFamily="34" charset="0"/>
+              </a:rPr>
+              <a:t>: </a:t>
+            </a:r>
+            <a:r>
+              <a:rPr lang="en-GB" sz="1400" dirty="0"/>
+              <a:t>you must provide the path of h2 folder till data like in below screen shot.</a:t>
+            </a:r>
+          </a:p>
+          <a:p>
+            <a:pPr marL="0" indent="0">
+              <a:buNone/>
+            </a:pPr>
+            <a:r>
+              <a:rPr lang="en-GB" sz="1400" dirty="0"/>
+              <a:t>Username : </a:t>
+            </a:r>
+            <a:r>
+              <a:rPr lang="en-GB" sz="1400" dirty="0" err="1"/>
+              <a:t>sa</a:t>
+            </a:r>
+            <a:endParaRPr lang="en-GB" sz="1400" dirty="0"/>
+          </a:p>
+          <a:p>
+            <a:pPr marL="0" indent="0">
+              <a:buNone/>
+            </a:pPr>
+            <a:r>
+              <a:rPr lang="en-GB" sz="1400" dirty="0"/>
+              <a:t>Password : password</a:t>
+            </a:r>
+          </a:p>
+          <a:p>
+            <a:pPr marL="0" indent="0">
+              <a:buNone/>
+            </a:pPr>
+            <a:endParaRPr lang="en-GB" sz="1400" i="0" dirty="0">
+              <a:solidFill>
+                <a:srgbClr val="212121"/>
+              </a:solidFill>
+              <a:effectLst/>
+              <a:latin typeface="Inter"/>
+            </a:endParaRPr>
+          </a:p>
+          <a:p>
+            <a:pPr marL="0" indent="0">
+              <a:buNone/>
+            </a:pPr>
+            <a:endParaRPr lang="en-GB" sz="1400" i="0" dirty="0">
+              <a:solidFill>
+                <a:srgbClr val="212121"/>
+              </a:solidFill>
+              <a:effectLst/>
+              <a:latin typeface="Inter"/>
+            </a:endParaRPr>
+          </a:p>
+          <a:p>
+            <a:pPr marL="0" indent="0">
+              <a:buNone/>
+            </a:pPr>
+            <a:endParaRPr lang="en-GB" sz="1800" b="1" dirty="0">
+              <a:solidFill>
+                <a:srgbClr val="202124"/>
+              </a:solidFill>
+              <a:latin typeface="Google Sans"/>
+            </a:endParaRPr>
+          </a:p>
+          <a:p>
+            <a:pPr marL="0" indent="0">
+              <a:buNone/>
+            </a:pPr>
+            <a:endParaRPr lang="en-GB" sz="1800" dirty="0">
+              <a:solidFill>
+                <a:srgbClr val="202124"/>
+              </a:solidFill>
+              <a:latin typeface="Google Sans"/>
+            </a:endParaRPr>
+          </a:p>
+          <a:p>
+            <a:pPr marL="342900" indent="-342900">
+              <a:buAutoNum type="arabicPeriod"/>
+            </a:pPr>
+            <a:endParaRPr lang="en-GB" sz="1800" dirty="0">
+              <a:solidFill>
+                <a:srgbClr val="202124"/>
+              </a:solidFill>
+              <a:latin typeface="Google Sans"/>
+            </a:endParaRPr>
+          </a:p>
+          <a:p>
+            <a:pPr marL="0" indent="0">
+              <a:buNone/>
+            </a:pPr>
+            <a:endParaRPr lang="en-GB" sz="1800" dirty="0">
+              <a:solidFill>
+                <a:srgbClr val="202124"/>
+              </a:solidFill>
+              <a:latin typeface="Google Sans"/>
+            </a:endParaRPr>
+          </a:p>
+          <a:p>
+            <a:pPr>
+              <a:buFont typeface="Wingdings" panose="05000000000000000000" pitchFamily="2" charset="2"/>
+              <a:buChar char="à"/>
+            </a:pPr>
+            <a:endParaRPr lang="en-GB" sz="1800" dirty="0">
+              <a:solidFill>
+                <a:srgbClr val="202124"/>
+              </a:solidFill>
+              <a:latin typeface="Google Sans"/>
+              <a:sym typeface="Wingdings" panose="05000000000000000000" pitchFamily="2" charset="2"/>
+            </a:endParaRPr>
+          </a:p>
+          <a:p>
+            <a:pPr>
+              <a:buFont typeface="Wingdings" panose="05000000000000000000" pitchFamily="2" charset="2"/>
+              <a:buChar char="à"/>
+            </a:pPr>
+            <a:endParaRPr lang="en-GB" sz="1800" dirty="0">
+              <a:solidFill>
+                <a:srgbClr val="202124"/>
+              </a:solidFill>
+              <a:latin typeface="Google Sans"/>
+              <a:sym typeface="Wingdings" panose="05000000000000000000" pitchFamily="2" charset="2"/>
+            </a:endParaRPr>
+          </a:p>
+          <a:p>
+            <a:pPr>
+              <a:buFont typeface="Wingdings" panose="05000000000000000000" pitchFamily="2" charset="2"/>
+              <a:buChar char="à"/>
+            </a:pPr>
+            <a:endParaRPr lang="en-GB" sz="1800" dirty="0">
+              <a:solidFill>
+                <a:srgbClr val="202124"/>
+              </a:solidFill>
+              <a:latin typeface="Google Sans"/>
+              <a:sym typeface="Wingdings" panose="05000000000000000000" pitchFamily="2" charset="2"/>
+            </a:endParaRPr>
+          </a:p>
+          <a:p>
+            <a:pPr marL="457200" lvl="1" indent="0">
+              <a:buNone/>
+            </a:pPr>
+            <a:endParaRPr lang="en-GB" sz="1400" dirty="0">
+              <a:solidFill>
+                <a:srgbClr val="202124"/>
+              </a:solidFill>
+              <a:latin typeface="Google Sans"/>
+              <a:sym typeface="Wingdings" panose="05000000000000000000" pitchFamily="2" charset="2"/>
+            </a:endParaRPr>
+          </a:p>
+          <a:p>
+            <a:pPr marL="457200" lvl="1" indent="0">
+              <a:buNone/>
+            </a:pPr>
+            <a:endParaRPr lang="en-GB" sz="1400" dirty="0">
+              <a:solidFill>
+                <a:srgbClr val="202124"/>
+              </a:solidFill>
+              <a:latin typeface="Google Sans"/>
+              <a:sym typeface="Wingdings" panose="05000000000000000000" pitchFamily="2" charset="2"/>
+            </a:endParaRPr>
+          </a:p>
+        </p:txBody>
+      </p:sp>
+      <p:pic>
+        <p:nvPicPr>
+          <p:cNvPr id="9" name="Picture 8">
+            <a:extLst>
+              <a:ext uri="{FF2B5EF4-FFF2-40B4-BE49-F238E27FC236}">
+                <a16:creationId xmlns:a16="http://schemas.microsoft.com/office/drawing/2014/main" id="{447D1DE5-4EC8-8F04-00C2-EE7BF6A02577}"/>
+              </a:ext>
+            </a:extLst>
+          </p:cNvPr>
+          <p:cNvPicPr>
+            <a:picLocks noChangeAspect="1"/>
+          </p:cNvPicPr>
+          <p:nvPr/>
+        </p:nvPicPr>
+        <p:blipFill>
+          <a:blip r:embed="rId4"/>
+          <a:stretch>
+            <a:fillRect/>
+          </a:stretch>
+        </p:blipFill>
+        <p:spPr>
+          <a:xfrm>
+            <a:off x="3905250" y="2419782"/>
+            <a:ext cx="4381500" cy="4124325"/>
+          </a:xfrm>
+          <a:prstGeom prst="rect">
+            <a:avLst/>
+          </a:prstGeom>
+        </p:spPr>
+      </p:pic>
+    </p:spTree>
+    <p:extLst>
+      <p:ext uri="{BB962C8B-B14F-4D97-AF65-F5344CB8AC3E}">
+        <p14:creationId xmlns:p14="http://schemas.microsoft.com/office/powerpoint/2010/main" val="433516185"/>
+      </p:ext>
+    </p:extLst>
+  </p:cSld>
+  <p:clrMapOvr>
+    <a:masterClrMapping/>
+  </p:clrMapOvr>
+</p:sld>
+</file>
+
 <file path=ppt/slides/slide2.xml><?xml version="1.0" encoding="utf-8"?>
 <p:sld xmlns:a="http://schemas.openxmlformats.org/drawingml/2006/main" xmlns:r="http://schemas.openxmlformats.org/officeDocument/2006/relationships" xmlns:p="http://schemas.openxmlformats.org/presentationml/2006/main">
   <p:cSld>
